--- a/Data Science Capstone.pptx
+++ b/Data Science Capstone.pptx
@@ -3711,8 +3711,8 @@
         </p:nvSpPr>
         <p:spPr>
           <a:xfrm>
-            <a:off x="1176019" y="4300220"/>
-            <a:ext cx="5885180" cy="1435649"/>
+            <a:off x="1171575" y="4211850"/>
+            <a:ext cx="5453381" cy="1435649"/>
           </a:xfrm>
           <a:prstGeom prst="rect">
             <a:avLst/>
@@ -3752,6 +3752,13 @@
                 <a:spcPts val="855"/>
               </a:spcBef>
             </a:pPr>
+            <a:r>
+              <a:rPr lang="en-IN" sz="2400" dirty="0">
+                <a:latin typeface="Arial"/>
+                <a:cs typeface="Arial"/>
+              </a:rPr>
+              <a:t>c</a:t>
+            </a:r>
             <a:endParaRPr sz="2400" dirty="0">
               <a:latin typeface="Arial"/>
               <a:cs typeface="Arial"/>
@@ -32591,7 +32598,7 @@
         <p:spPr>
           <a:xfrm>
             <a:off x="1176019" y="1496901"/>
-            <a:ext cx="8401050" cy="3320781"/>
+            <a:ext cx="8401050" cy="4103046"/>
           </a:xfrm>
           <a:prstGeom prst="rect">
             <a:avLst/>
@@ -32604,9 +32611,25 @@
           <a:lstStyle/>
           <a:p>
             <a:pPr marL="12700">
-              <a:lnSpc>
-                <a:spcPct val="100000"/>
-              </a:lnSpc>
+              <a:spcBef>
+                <a:spcPts val="1295"/>
+              </a:spcBef>
+            </a:pPr>
+            <a:endParaRPr lang="en-IN" sz="2000" u="heavy" dirty="0">
+              <a:solidFill>
+                <a:srgbClr val="404040"/>
+              </a:solidFill>
+              <a:uFill>
+                <a:solidFill>
+                  <a:srgbClr val="404040"/>
+                </a:solidFill>
+              </a:uFill>
+              <a:latin typeface="Carlito"/>
+              <a:cs typeface="Carlito"/>
+            </a:endParaRPr>
+          </a:p>
+          <a:p>
+            <a:pPr marL="12700">
               <a:spcBef>
                 <a:spcPts val="1295"/>
               </a:spcBef>
@@ -32670,6 +32693,43 @@
                 <a:cs typeface="Carlito"/>
               </a:rPr>
               <a:t>url:</a:t>
+            </a:r>
+            <a:r>
+              <a:rPr lang="en-IN" sz="2000" u="heavy" spc="-5" dirty="0">
+                <a:solidFill>
+                  <a:srgbClr val="404040"/>
+                </a:solidFill>
+                <a:uFill>
+                  <a:solidFill>
+                    <a:srgbClr val="404040"/>
+                  </a:solidFill>
+                </a:uFill>
+                <a:latin typeface="Carlito"/>
+                <a:cs typeface="Carlito"/>
+              </a:rPr>
+              <a:t> </a:t>
+            </a:r>
+            <a:r>
+              <a:rPr lang="en-US" sz="2000" dirty="0" err="1">
+                <a:latin typeface="Arial"/>
+                <a:cs typeface="Arial"/>
+              </a:rPr>
+              <a:t>Github</a:t>
+            </a:r>
+            <a:r>
+              <a:rPr lang="en-US" sz="2000" dirty="0">
+                <a:latin typeface="Arial"/>
+                <a:cs typeface="Arial"/>
+              </a:rPr>
+              <a:t> - </a:t>
+            </a:r>
+            <a:r>
+              <a:rPr lang="en-US" sz="2000" dirty="0">
+                <a:latin typeface="Arial"/>
+                <a:cs typeface="Arial"/>
+                <a:hlinkClick r:id="rId2"/>
+              </a:rPr>
+              <a:t>https://github.com/Jammyboi17/Data-Science-Capstone.git</a:t>
             </a:r>
             <a:endParaRPr sz="2000" dirty="0">
               <a:latin typeface="Carlito"/>
@@ -33117,7 +33177,7 @@
                 </a:uFill>
                 <a:latin typeface="Carlito"/>
                 <a:cs typeface="Carlito"/>
-                <a:hlinkClick r:id="rId2"/>
+                <a:hlinkClick r:id="rId3"/>
               </a:rPr>
               <a:t>https://www.coursera.org/professional-certificates/ibm-data-science?#instructors</a:t>
             </a:r>
